--- a/Sporttracker.pptx
+++ b/Sporttracker.pptx
@@ -7,6 +7,11 @@
   <p:sldIdLst>
     <p:sldId id="256" r:id="rId2"/>
     <p:sldId id="257" r:id="rId3"/>
+    <p:sldId id="258" r:id="rId4"/>
+    <p:sldId id="259" r:id="rId5"/>
+    <p:sldId id="260" r:id="rId6"/>
+    <p:sldId id="261" r:id="rId7"/>
+    <p:sldId id="262" r:id="rId8"/>
   </p:sldIdLst>
   <p:sldSz cx="12192000" cy="6858000"/>
   <p:notesSz cx="6858000" cy="9144000"/>
@@ -105,6 +110,11 @@
       </a:defRPr>
     </a:lvl9pPr>
   </p:defaultTextStyle>
+  <p:extLst>
+    <p:ext uri="{EFAFB233-063F-42B5-8137-9DF3F51BA10A}">
+      <p15:sldGuideLst xmlns:p15="http://schemas.microsoft.com/office/powerpoint/2012/main"/>
+    </p:ext>
+  </p:extLst>
 </p:presentation>
 </file>
 
@@ -3706,7 +3716,7 @@
             </a:r>
             <a:r>
               <a:rPr lang="sl-SI" dirty="0" err="1"/>
-              <a:t>Majninger</a:t>
+              <a:t>MajniNGer</a:t>
             </a:r>
             <a:endParaRPr lang="sl-SI" dirty="0"/>
           </a:p>
@@ -3763,7 +3773,10 @@
           <a:bodyPr/>
           <a:lstStyle/>
           <a:p>
-            <a:endParaRPr lang="sl-SI"/>
+            <a:r>
+              <a:rPr lang="sl-SI" dirty="0"/>
+              <a:t>Podatkovna baza</a:t>
+            </a:r>
           </a:p>
         </p:txBody>
       </p:sp>
@@ -3788,14 +3801,889 @@
           <a:bodyPr/>
           <a:lstStyle/>
           <a:p>
-            <a:endParaRPr lang="sl-SI"/>
-          </a:p>
-        </p:txBody>
-      </p:sp>
+            <a:r>
+              <a:rPr lang="sl-SI" dirty="0" err="1"/>
+              <a:t>Firebase</a:t>
+            </a:r>
+            <a:r>
+              <a:rPr lang="sl-SI" dirty="0"/>
+              <a:t>,</a:t>
+            </a:r>
+          </a:p>
+          <a:p>
+            <a:r>
+              <a:rPr lang="sl-SI" dirty="0"/>
+              <a:t>Shranjevanje videov,</a:t>
+            </a:r>
+          </a:p>
+          <a:p>
+            <a:r>
+              <a:rPr lang="sl-SI" dirty="0"/>
+              <a:t>Prijava, registracija</a:t>
+            </a:r>
+          </a:p>
+          <a:p>
+            <a:pPr marL="0" indent="0">
+              <a:buNone/>
+            </a:pPr>
+            <a:r>
+              <a:rPr lang="sl-SI" dirty="0"/>
+              <a:t>(</a:t>
+            </a:r>
+            <a:r>
+              <a:rPr lang="sl-SI" dirty="0" err="1"/>
+              <a:t>Firebase</a:t>
+            </a:r>
+            <a:r>
+              <a:rPr lang="sl-SI" dirty="0"/>
+              <a:t> </a:t>
+            </a:r>
+            <a:r>
+              <a:rPr lang="sl-SI" dirty="0" err="1"/>
+              <a:t>authentication</a:t>
+            </a:r>
+            <a:r>
+              <a:rPr lang="sl-SI" dirty="0"/>
+              <a:t>)</a:t>
+            </a:r>
+          </a:p>
+        </p:txBody>
+      </p:sp>
+      <p:pic>
+        <p:nvPicPr>
+          <p:cNvPr id="4" name="Slika 3">
+            <a:extLst>
+              <a:ext uri="{FF2B5EF4-FFF2-40B4-BE49-F238E27FC236}">
+                <a16:creationId xmlns:a16="http://schemas.microsoft.com/office/drawing/2014/main" id="{96EA7E55-3423-49DF-B997-00F5F058BA16}"/>
+              </a:ext>
+            </a:extLst>
+          </p:cNvPr>
+          <p:cNvPicPr>
+            <a:picLocks noChangeAspect="1"/>
+          </p:cNvPicPr>
+          <p:nvPr/>
+        </p:nvPicPr>
+        <p:blipFill>
+          <a:blip r:embed="rId2"/>
+          <a:stretch>
+            <a:fillRect/>
+          </a:stretch>
+        </p:blipFill>
+        <p:spPr>
+          <a:xfrm>
+            <a:off x="4143632" y="2015732"/>
+            <a:ext cx="7000157" cy="3778894"/>
+          </a:xfrm>
+          <a:prstGeom prst="rect">
+            <a:avLst/>
+          </a:prstGeom>
+        </p:spPr>
+      </p:pic>
     </p:spTree>
     <p:extLst>
       <p:ext uri="{BB962C8B-B14F-4D97-AF65-F5344CB8AC3E}">
         <p14:creationId xmlns:p14="http://schemas.microsoft.com/office/powerpoint/2010/main" val="3443258562"/>
+      </p:ext>
+    </p:extLst>
+  </p:cSld>
+  <p:clrMapOvr>
+    <a:masterClrMapping/>
+  </p:clrMapOvr>
+</p:sld>
+</file>
+
+<file path=ppt/slides/slide3.xml><?xml version="1.0" encoding="utf-8"?>
+<p:sld xmlns:a="http://schemas.openxmlformats.org/drawingml/2006/main" xmlns:r="http://schemas.openxmlformats.org/officeDocument/2006/relationships" xmlns:p="http://schemas.openxmlformats.org/presentationml/2006/main">
+  <p:cSld>
+    <p:spTree>
+      <p:nvGrpSpPr>
+        <p:cNvPr id="1" name=""/>
+        <p:cNvGrpSpPr/>
+        <p:nvPr/>
+      </p:nvGrpSpPr>
+      <p:grpSpPr>
+        <a:xfrm>
+          <a:off x="0" y="0"/>
+          <a:ext cx="0" cy="0"/>
+          <a:chOff x="0" y="0"/>
+          <a:chExt cx="0" cy="0"/>
+        </a:xfrm>
+      </p:grpSpPr>
+      <p:sp>
+        <p:nvSpPr>
+          <p:cNvPr id="2" name="Naslov 1">
+            <a:extLst>
+              <a:ext uri="{FF2B5EF4-FFF2-40B4-BE49-F238E27FC236}">
+                <a16:creationId xmlns:a16="http://schemas.microsoft.com/office/drawing/2014/main" id="{7BF4BDBD-1986-4CF8-A9DB-0932A7DE5B9C}"/>
+              </a:ext>
+            </a:extLst>
+          </p:cNvPr>
+          <p:cNvSpPr>
+            <a:spLocks noGrp="1"/>
+          </p:cNvSpPr>
+          <p:nvPr>
+            <p:ph type="title"/>
+          </p:nvPr>
+        </p:nvSpPr>
+        <p:spPr/>
+        <p:txBody>
+          <a:bodyPr/>
+          <a:lstStyle/>
+          <a:p>
+            <a:r>
+              <a:rPr lang="sl-SI" dirty="0" err="1"/>
+              <a:t>Firebase</a:t>
+            </a:r>
+            <a:r>
+              <a:rPr lang="sl-SI" dirty="0"/>
+              <a:t> </a:t>
+            </a:r>
+            <a:r>
+              <a:rPr lang="sl-SI" dirty="0" err="1"/>
+              <a:t>authentication</a:t>
+            </a:r>
+            <a:br>
+              <a:rPr lang="sl-SI" dirty="0"/>
+            </a:br>
+            <a:endParaRPr lang="sl-SI" dirty="0"/>
+          </a:p>
+        </p:txBody>
+      </p:sp>
+      <p:pic>
+        <p:nvPicPr>
+          <p:cNvPr id="4" name="Označba mesta vsebine 3">
+            <a:extLst>
+              <a:ext uri="{FF2B5EF4-FFF2-40B4-BE49-F238E27FC236}">
+                <a16:creationId xmlns:a16="http://schemas.microsoft.com/office/drawing/2014/main" id="{DBD108D8-978C-42FF-9C84-A4F56F33D735}"/>
+              </a:ext>
+            </a:extLst>
+          </p:cNvPr>
+          <p:cNvPicPr>
+            <a:picLocks noGrp="1" noChangeAspect="1"/>
+          </p:cNvPicPr>
+          <p:nvPr>
+            <p:ph idx="1"/>
+          </p:nvPr>
+        </p:nvPicPr>
+        <p:blipFill>
+          <a:blip r:embed="rId2"/>
+          <a:stretch>
+            <a:fillRect/>
+          </a:stretch>
+        </p:blipFill>
+        <p:spPr>
+          <a:xfrm>
+            <a:off x="1982248" y="1999650"/>
+            <a:ext cx="7767473" cy="3449638"/>
+          </a:xfrm>
+          <a:prstGeom prst="rect">
+            <a:avLst/>
+          </a:prstGeom>
+        </p:spPr>
+      </p:pic>
+    </p:spTree>
+    <p:extLst>
+      <p:ext uri="{BB962C8B-B14F-4D97-AF65-F5344CB8AC3E}">
+        <p14:creationId xmlns:p14="http://schemas.microsoft.com/office/powerpoint/2010/main" val="818048991"/>
+      </p:ext>
+    </p:extLst>
+  </p:cSld>
+  <p:clrMapOvr>
+    <a:masterClrMapping/>
+  </p:clrMapOvr>
+</p:sld>
+</file>
+
+<file path=ppt/slides/slide4.xml><?xml version="1.0" encoding="utf-8"?>
+<p:sld xmlns:a="http://schemas.openxmlformats.org/drawingml/2006/main" xmlns:r="http://schemas.openxmlformats.org/officeDocument/2006/relationships" xmlns:p="http://schemas.openxmlformats.org/presentationml/2006/main">
+  <p:cSld>
+    <p:spTree>
+      <p:nvGrpSpPr>
+        <p:cNvPr id="1" name=""/>
+        <p:cNvGrpSpPr/>
+        <p:nvPr/>
+      </p:nvGrpSpPr>
+      <p:grpSpPr>
+        <a:xfrm>
+          <a:off x="0" y="0"/>
+          <a:ext cx="0" cy="0"/>
+          <a:chOff x="0" y="0"/>
+          <a:chExt cx="0" cy="0"/>
+        </a:xfrm>
+      </p:grpSpPr>
+      <p:sp>
+        <p:nvSpPr>
+          <p:cNvPr id="2" name="Naslov 1">
+            <a:extLst>
+              <a:ext uri="{FF2B5EF4-FFF2-40B4-BE49-F238E27FC236}">
+                <a16:creationId xmlns:a16="http://schemas.microsoft.com/office/drawing/2014/main" id="{CEC25FD6-4E82-4265-9308-7EA0F90CB138}"/>
+              </a:ext>
+            </a:extLst>
+          </p:cNvPr>
+          <p:cNvSpPr>
+            <a:spLocks noGrp="1"/>
+          </p:cNvSpPr>
+          <p:nvPr>
+            <p:ph type="title"/>
+          </p:nvPr>
+        </p:nvSpPr>
+        <p:spPr/>
+        <p:txBody>
+          <a:bodyPr/>
+          <a:lstStyle/>
+          <a:p>
+            <a:r>
+              <a:rPr lang="sl-SI" dirty="0"/>
+              <a:t>Strežnik</a:t>
+            </a:r>
+            <a:br>
+              <a:rPr lang="sl-SI" dirty="0"/>
+            </a:br>
+            <a:endParaRPr lang="sl-SI" dirty="0"/>
+          </a:p>
+        </p:txBody>
+      </p:sp>
+      <p:sp>
+        <p:nvSpPr>
+          <p:cNvPr id="3" name="Označba mesta vsebine 2">
+            <a:extLst>
+              <a:ext uri="{FF2B5EF4-FFF2-40B4-BE49-F238E27FC236}">
+                <a16:creationId xmlns:a16="http://schemas.microsoft.com/office/drawing/2014/main" id="{7A75B230-4B79-43DB-BFC0-2B22B7898370}"/>
+              </a:ext>
+            </a:extLst>
+          </p:cNvPr>
+          <p:cNvSpPr>
+            <a:spLocks noGrp="1"/>
+          </p:cNvSpPr>
+          <p:nvPr>
+            <p:ph idx="1"/>
+          </p:nvPr>
+        </p:nvSpPr>
+        <p:spPr/>
+        <p:txBody>
+          <a:bodyPr/>
+          <a:lstStyle/>
+          <a:p>
+            <a:r>
+              <a:rPr lang="sl-SI" dirty="0" err="1"/>
+              <a:t>Heroku</a:t>
+            </a:r>
+            <a:r>
+              <a:rPr lang="sl-SI" dirty="0"/>
+              <a:t>(</a:t>
+            </a:r>
+            <a:r>
+              <a:rPr lang="sl-SI" dirty="0" err="1"/>
+              <a:t>docker</a:t>
+            </a:r>
+            <a:r>
+              <a:rPr lang="sl-SI" dirty="0"/>
+              <a:t> </a:t>
+            </a:r>
+            <a:r>
+              <a:rPr lang="sl-SI" dirty="0" err="1"/>
+              <a:t>container</a:t>
+            </a:r>
+            <a:r>
+              <a:rPr lang="sl-SI" dirty="0"/>
+              <a:t>)</a:t>
+            </a:r>
+          </a:p>
+          <a:p>
+            <a:r>
+              <a:rPr lang="sl-SI" dirty="0" err="1"/>
+              <a:t>Netlify</a:t>
+            </a:r>
+            <a:r>
+              <a:rPr lang="sl-SI" dirty="0"/>
+              <a:t>(Gostovanje </a:t>
+            </a:r>
+            <a:r>
+              <a:rPr lang="sl-SI" dirty="0" err="1"/>
+              <a:t>api</a:t>
+            </a:r>
+            <a:r>
+              <a:rPr lang="sl-SI" dirty="0"/>
+              <a:t>-ja)</a:t>
+            </a:r>
+          </a:p>
+        </p:txBody>
+      </p:sp>
+      <p:pic>
+        <p:nvPicPr>
+          <p:cNvPr id="4" name="Slika 3">
+            <a:extLst>
+              <a:ext uri="{FF2B5EF4-FFF2-40B4-BE49-F238E27FC236}">
+                <a16:creationId xmlns:a16="http://schemas.microsoft.com/office/drawing/2014/main" id="{F7B10ED0-916C-4663-9222-BFF9CE53ECBB}"/>
+              </a:ext>
+            </a:extLst>
+          </p:cNvPr>
+          <p:cNvPicPr>
+            <a:picLocks noChangeAspect="1"/>
+          </p:cNvPicPr>
+          <p:nvPr/>
+        </p:nvPicPr>
+        <p:blipFill>
+          <a:blip r:embed="rId2"/>
+          <a:stretch>
+            <a:fillRect/>
+          </a:stretch>
+        </p:blipFill>
+        <p:spPr>
+          <a:xfrm>
+            <a:off x="5113828" y="1993116"/>
+            <a:ext cx="5941026" cy="1747922"/>
+          </a:xfrm>
+          <a:prstGeom prst="rect">
+            <a:avLst/>
+          </a:prstGeom>
+        </p:spPr>
+      </p:pic>
+      <p:pic>
+        <p:nvPicPr>
+          <p:cNvPr id="5" name="Slika 4">
+            <a:extLst>
+              <a:ext uri="{FF2B5EF4-FFF2-40B4-BE49-F238E27FC236}">
+                <a16:creationId xmlns:a16="http://schemas.microsoft.com/office/drawing/2014/main" id="{2ED723BD-C839-42C5-84DA-C0BFA889AC5F}"/>
+              </a:ext>
+            </a:extLst>
+          </p:cNvPr>
+          <p:cNvPicPr>
+            <a:picLocks noChangeAspect="1"/>
+          </p:cNvPicPr>
+          <p:nvPr/>
+        </p:nvPicPr>
+        <p:blipFill>
+          <a:blip r:embed="rId3"/>
+          <a:stretch>
+            <a:fillRect/>
+          </a:stretch>
+        </p:blipFill>
+        <p:spPr>
+          <a:xfrm>
+            <a:off x="1667004" y="3023286"/>
+            <a:ext cx="3057852" cy="2795334"/>
+          </a:xfrm>
+          <a:prstGeom prst="rect">
+            <a:avLst/>
+          </a:prstGeom>
+        </p:spPr>
+      </p:pic>
+    </p:spTree>
+    <p:extLst>
+      <p:ext uri="{BB962C8B-B14F-4D97-AF65-F5344CB8AC3E}">
+        <p14:creationId xmlns:p14="http://schemas.microsoft.com/office/powerpoint/2010/main" val="3120787724"/>
+      </p:ext>
+    </p:extLst>
+  </p:cSld>
+  <p:clrMapOvr>
+    <a:masterClrMapping/>
+  </p:clrMapOvr>
+</p:sld>
+</file>
+
+<file path=ppt/slides/slide5.xml><?xml version="1.0" encoding="utf-8"?>
+<p:sld xmlns:a="http://schemas.openxmlformats.org/drawingml/2006/main" xmlns:r="http://schemas.openxmlformats.org/officeDocument/2006/relationships" xmlns:p="http://schemas.openxmlformats.org/presentationml/2006/main">
+  <p:cSld>
+    <p:spTree>
+      <p:nvGrpSpPr>
+        <p:cNvPr id="1" name=""/>
+        <p:cNvGrpSpPr/>
+        <p:nvPr/>
+      </p:nvGrpSpPr>
+      <p:grpSpPr>
+        <a:xfrm>
+          <a:off x="0" y="0"/>
+          <a:ext cx="0" cy="0"/>
+          <a:chOff x="0" y="0"/>
+          <a:chExt cx="0" cy="0"/>
+        </a:xfrm>
+      </p:grpSpPr>
+      <p:sp>
+        <p:nvSpPr>
+          <p:cNvPr id="2" name="Naslov 1">
+            <a:extLst>
+              <a:ext uri="{FF2B5EF4-FFF2-40B4-BE49-F238E27FC236}">
+                <a16:creationId xmlns:a16="http://schemas.microsoft.com/office/drawing/2014/main" id="{260CAA8D-388B-43DD-A377-1F18781581BB}"/>
+              </a:ext>
+            </a:extLst>
+          </p:cNvPr>
+          <p:cNvSpPr>
+            <a:spLocks noGrp="1"/>
+          </p:cNvSpPr>
+          <p:nvPr>
+            <p:ph type="title"/>
+          </p:nvPr>
+        </p:nvSpPr>
+        <p:spPr/>
+        <p:txBody>
+          <a:bodyPr/>
+          <a:lstStyle/>
+          <a:p>
+            <a:r>
+              <a:rPr lang="sl-SI" dirty="0"/>
+              <a:t>API</a:t>
+            </a:r>
+          </a:p>
+        </p:txBody>
+      </p:sp>
+      <p:sp>
+        <p:nvSpPr>
+          <p:cNvPr id="3" name="Označba mesta vsebine 2">
+            <a:extLst>
+              <a:ext uri="{FF2B5EF4-FFF2-40B4-BE49-F238E27FC236}">
+                <a16:creationId xmlns:a16="http://schemas.microsoft.com/office/drawing/2014/main" id="{7DD43E4E-82CF-47F5-A9CE-CC610BBAB1F5}"/>
+              </a:ext>
+            </a:extLst>
+          </p:cNvPr>
+          <p:cNvSpPr>
+            <a:spLocks noGrp="1"/>
+          </p:cNvSpPr>
+          <p:nvPr>
+            <p:ph idx="1"/>
+          </p:nvPr>
+        </p:nvSpPr>
+        <p:spPr/>
+        <p:txBody>
+          <a:bodyPr/>
+          <a:lstStyle/>
+          <a:p>
+            <a:r>
+              <a:rPr lang="sl-SI" dirty="0"/>
+              <a:t>JSON</a:t>
+            </a:r>
+          </a:p>
+          <a:p>
+            <a:r>
+              <a:rPr lang="sl-SI" dirty="0" err="1"/>
+              <a:t>Python</a:t>
+            </a:r>
+            <a:r>
+              <a:rPr lang="sl-SI" dirty="0"/>
+              <a:t>(</a:t>
+            </a:r>
+            <a:r>
+              <a:rPr lang="sl-SI" dirty="0" err="1"/>
+              <a:t>Flask-Rest</a:t>
+            </a:r>
+            <a:r>
+              <a:rPr lang="sl-SI" dirty="0"/>
+              <a:t> API)</a:t>
+            </a:r>
+          </a:p>
+          <a:p>
+            <a:r>
+              <a:rPr lang="sl-SI" dirty="0"/>
+              <a:t>CRUD</a:t>
+            </a:r>
+          </a:p>
+          <a:p>
+            <a:r>
+              <a:rPr lang="sl-SI" dirty="0"/>
+              <a:t>API </a:t>
+            </a:r>
+            <a:r>
+              <a:rPr lang="sl-SI" dirty="0" err="1"/>
+              <a:t>key</a:t>
+            </a:r>
+            <a:r>
+              <a:rPr lang="sl-SI" dirty="0"/>
+              <a:t>(</a:t>
+            </a:r>
+            <a:r>
+              <a:rPr lang="sl-SI" dirty="0" err="1"/>
+              <a:t>Firebase</a:t>
+            </a:r>
+            <a:r>
+              <a:rPr lang="sl-SI" dirty="0"/>
+              <a:t>, </a:t>
+            </a:r>
+            <a:r>
+              <a:rPr lang="sl-SI" dirty="0" err="1"/>
+              <a:t>Leaflet-maps</a:t>
+            </a:r>
+            <a:r>
+              <a:rPr lang="sl-SI" dirty="0"/>
+              <a:t>)</a:t>
+            </a:r>
+          </a:p>
+        </p:txBody>
+      </p:sp>
+    </p:spTree>
+    <p:extLst>
+      <p:ext uri="{BB962C8B-B14F-4D97-AF65-F5344CB8AC3E}">
+        <p14:creationId xmlns:p14="http://schemas.microsoft.com/office/powerpoint/2010/main" val="3845218116"/>
+      </p:ext>
+    </p:extLst>
+  </p:cSld>
+  <p:clrMapOvr>
+    <a:masterClrMapping/>
+  </p:clrMapOvr>
+</p:sld>
+</file>
+
+<file path=ppt/slides/slide6.xml><?xml version="1.0" encoding="utf-8"?>
+<p:sld xmlns:a="http://schemas.openxmlformats.org/drawingml/2006/main" xmlns:r="http://schemas.openxmlformats.org/officeDocument/2006/relationships" xmlns:p="http://schemas.openxmlformats.org/presentationml/2006/main">
+  <p:cSld>
+    <p:spTree>
+      <p:nvGrpSpPr>
+        <p:cNvPr id="1" name=""/>
+        <p:cNvGrpSpPr/>
+        <p:nvPr/>
+      </p:nvGrpSpPr>
+      <p:grpSpPr>
+        <a:xfrm>
+          <a:off x="0" y="0"/>
+          <a:ext cx="0" cy="0"/>
+          <a:chOff x="0" y="0"/>
+          <a:chExt cx="0" cy="0"/>
+        </a:xfrm>
+      </p:grpSpPr>
+      <p:sp>
+        <p:nvSpPr>
+          <p:cNvPr id="2" name="Naslov 1">
+            <a:extLst>
+              <a:ext uri="{FF2B5EF4-FFF2-40B4-BE49-F238E27FC236}">
+                <a16:creationId xmlns:a16="http://schemas.microsoft.com/office/drawing/2014/main" id="{6198FFF8-4E4A-4FBA-9DDD-23696F38F4EA}"/>
+              </a:ext>
+            </a:extLst>
+          </p:cNvPr>
+          <p:cNvSpPr>
+            <a:spLocks noGrp="1"/>
+          </p:cNvSpPr>
+          <p:nvPr>
+            <p:ph type="title"/>
+          </p:nvPr>
+        </p:nvSpPr>
+        <p:spPr/>
+        <p:txBody>
+          <a:bodyPr/>
+          <a:lstStyle/>
+          <a:p>
+            <a:r>
+              <a:rPr lang="sl-SI" dirty="0"/>
+              <a:t>Spletna stran</a:t>
+            </a:r>
+          </a:p>
+        </p:txBody>
+      </p:sp>
+      <p:sp>
+        <p:nvSpPr>
+          <p:cNvPr id="3" name="Označba mesta vsebine 2">
+            <a:extLst>
+              <a:ext uri="{FF2B5EF4-FFF2-40B4-BE49-F238E27FC236}">
+                <a16:creationId xmlns:a16="http://schemas.microsoft.com/office/drawing/2014/main" id="{764C49DC-1C7F-4780-8C5A-585B5C4174C0}"/>
+              </a:ext>
+            </a:extLst>
+          </p:cNvPr>
+          <p:cNvSpPr>
+            <a:spLocks noGrp="1"/>
+          </p:cNvSpPr>
+          <p:nvPr>
+            <p:ph idx="1"/>
+          </p:nvPr>
+        </p:nvSpPr>
+        <p:spPr/>
+        <p:txBody>
+          <a:bodyPr/>
+          <a:lstStyle/>
+          <a:p>
+            <a:r>
+              <a:rPr lang="sl-SI" dirty="0" err="1"/>
+              <a:t>React</a:t>
+            </a:r>
+            <a:endParaRPr lang="sl-SI" dirty="0"/>
+          </a:p>
+          <a:p>
+            <a:r>
+              <a:rPr lang="sl-SI" dirty="0" err="1"/>
+              <a:t>Firebase</a:t>
+            </a:r>
+            <a:endParaRPr lang="sl-SI" dirty="0"/>
+          </a:p>
+          <a:p>
+            <a:r>
+              <a:rPr lang="sl-SI" dirty="0" err="1"/>
+              <a:t>Leaflet</a:t>
+            </a:r>
+            <a:r>
+              <a:rPr lang="sl-SI" dirty="0"/>
+              <a:t>(</a:t>
+            </a:r>
+            <a:r>
+              <a:rPr lang="sl-SI" dirty="0" err="1"/>
+              <a:t>maps</a:t>
+            </a:r>
+            <a:r>
+              <a:rPr lang="sl-SI" dirty="0"/>
+              <a:t>)</a:t>
+            </a:r>
+          </a:p>
+          <a:p>
+            <a:r>
+              <a:rPr lang="sl-SI" dirty="0"/>
+              <a:t>Vizualizacija podatkov</a:t>
+            </a:r>
+          </a:p>
+          <a:p>
+            <a:pPr marL="0" indent="0">
+              <a:buNone/>
+            </a:pPr>
+            <a:r>
+              <a:rPr lang="sl-SI" dirty="0"/>
+              <a:t>(prikaz poti, kjer je uporabnik bil aktiven)</a:t>
+            </a:r>
+          </a:p>
+        </p:txBody>
+      </p:sp>
+      <p:pic>
+        <p:nvPicPr>
+          <p:cNvPr id="5" name="Slika 4">
+            <a:extLst>
+              <a:ext uri="{FF2B5EF4-FFF2-40B4-BE49-F238E27FC236}">
+                <a16:creationId xmlns:a16="http://schemas.microsoft.com/office/drawing/2014/main" id="{C01B1E77-B799-4ED6-930B-553D8C017CE7}"/>
+              </a:ext>
+            </a:extLst>
+          </p:cNvPr>
+          <p:cNvPicPr>
+            <a:picLocks noChangeAspect="1"/>
+          </p:cNvPicPr>
+          <p:nvPr/>
+        </p:nvPicPr>
+        <p:blipFill>
+          <a:blip r:embed="rId2"/>
+          <a:stretch>
+            <a:fillRect/>
+          </a:stretch>
+        </p:blipFill>
+        <p:spPr>
+          <a:xfrm>
+            <a:off x="6709193" y="2018634"/>
+            <a:ext cx="3572610" cy="4034847"/>
+          </a:xfrm>
+          <a:prstGeom prst="rect">
+            <a:avLst/>
+          </a:prstGeom>
+        </p:spPr>
+      </p:pic>
+    </p:spTree>
+    <p:extLst>
+      <p:ext uri="{BB962C8B-B14F-4D97-AF65-F5344CB8AC3E}">
+        <p14:creationId xmlns:p14="http://schemas.microsoft.com/office/powerpoint/2010/main" val="1395245151"/>
+      </p:ext>
+    </p:extLst>
+  </p:cSld>
+  <p:clrMapOvr>
+    <a:masterClrMapping/>
+  </p:clrMapOvr>
+</p:sld>
+</file>
+
+<file path=ppt/slides/slide7.xml><?xml version="1.0" encoding="utf-8"?>
+<p:sld xmlns:a="http://schemas.openxmlformats.org/drawingml/2006/main" xmlns:r="http://schemas.openxmlformats.org/officeDocument/2006/relationships" xmlns:p="http://schemas.openxmlformats.org/presentationml/2006/main">
+  <p:cSld>
+    <p:spTree>
+      <p:nvGrpSpPr>
+        <p:cNvPr id="1" name=""/>
+        <p:cNvGrpSpPr/>
+        <p:nvPr/>
+      </p:nvGrpSpPr>
+      <p:grpSpPr>
+        <a:xfrm>
+          <a:off x="0" y="0"/>
+          <a:ext cx="0" cy="0"/>
+          <a:chOff x="0" y="0"/>
+          <a:chExt cx="0" cy="0"/>
+        </a:xfrm>
+      </p:grpSpPr>
+      <p:sp>
+        <p:nvSpPr>
+          <p:cNvPr id="2" name="Naslov 1">
+            <a:extLst>
+              <a:ext uri="{FF2B5EF4-FFF2-40B4-BE49-F238E27FC236}">
+                <a16:creationId xmlns:a16="http://schemas.microsoft.com/office/drawing/2014/main" id="{1030E1D9-A241-469A-9288-20B3CB6C97B6}"/>
+              </a:ext>
+            </a:extLst>
+          </p:cNvPr>
+          <p:cNvSpPr>
+            <a:spLocks noGrp="1"/>
+          </p:cNvSpPr>
+          <p:nvPr>
+            <p:ph type="title"/>
+          </p:nvPr>
+        </p:nvSpPr>
+        <p:spPr/>
+        <p:txBody>
+          <a:bodyPr/>
+          <a:lstStyle/>
+          <a:p>
+            <a:r>
+              <a:rPr lang="sl-SI" dirty="0"/>
+              <a:t>Mobilna aplikacija</a:t>
+            </a:r>
+          </a:p>
+        </p:txBody>
+      </p:sp>
+      <p:sp>
+        <p:nvSpPr>
+          <p:cNvPr id="3" name="Označba mesta vsebine 2">
+            <a:extLst>
+              <a:ext uri="{FF2B5EF4-FFF2-40B4-BE49-F238E27FC236}">
+                <a16:creationId xmlns:a16="http://schemas.microsoft.com/office/drawing/2014/main" id="{81B48169-E583-46CB-A730-F7B649C9451C}"/>
+              </a:ext>
+            </a:extLst>
+          </p:cNvPr>
+          <p:cNvSpPr>
+            <a:spLocks noGrp="1"/>
+          </p:cNvSpPr>
+          <p:nvPr>
+            <p:ph idx="1"/>
+          </p:nvPr>
+        </p:nvSpPr>
+        <p:spPr/>
+        <p:txBody>
+          <a:bodyPr/>
+          <a:lstStyle/>
+          <a:p>
+            <a:r>
+              <a:rPr lang="sl-SI" dirty="0"/>
+              <a:t>Android(Java)</a:t>
+            </a:r>
+          </a:p>
+          <a:p>
+            <a:r>
+              <a:rPr lang="sl-SI" dirty="0"/>
+              <a:t>Zbiranje podatkov</a:t>
+            </a:r>
+          </a:p>
+          <a:p>
+            <a:r>
+              <a:rPr lang="sl-SI" dirty="0"/>
+              <a:t>GPS, </a:t>
+            </a:r>
+            <a:r>
+              <a:rPr lang="sl-SI" dirty="0" err="1"/>
+              <a:t>LocationServices</a:t>
+            </a:r>
+            <a:r>
+              <a:rPr lang="sl-SI" dirty="0"/>
+              <a:t>,</a:t>
+            </a:r>
+          </a:p>
+        </p:txBody>
+      </p:sp>
+      <p:pic>
+        <p:nvPicPr>
+          <p:cNvPr id="5" name="Slika 4">
+            <a:extLst>
+              <a:ext uri="{FF2B5EF4-FFF2-40B4-BE49-F238E27FC236}">
+                <a16:creationId xmlns:a16="http://schemas.microsoft.com/office/drawing/2014/main" id="{B27AEC15-96AC-4090-A646-7FEE1C5787C6}"/>
+              </a:ext>
+            </a:extLst>
+          </p:cNvPr>
+          <p:cNvPicPr>
+            <a:picLocks noChangeAspect="1"/>
+          </p:cNvPicPr>
+          <p:nvPr/>
+        </p:nvPicPr>
+        <p:blipFill>
+          <a:blip r:embed="rId2">
+            <a:extLst>
+              <a:ext uri="{28A0092B-C50C-407E-A947-70E740481C1C}">
+                <a14:useLocalDpi xmlns:a14="http://schemas.microsoft.com/office/drawing/2010/main" val="0"/>
+              </a:ext>
+            </a:extLst>
+          </a:blip>
+          <a:stretch>
+            <a:fillRect/>
+          </a:stretch>
+        </p:blipFill>
+        <p:spPr>
+          <a:xfrm>
+            <a:off x="4398751" y="2015730"/>
+            <a:ext cx="1854465" cy="4018007"/>
+          </a:xfrm>
+          <a:prstGeom prst="rect">
+            <a:avLst/>
+          </a:prstGeom>
+        </p:spPr>
+      </p:pic>
+      <p:pic>
+        <p:nvPicPr>
+          <p:cNvPr id="7" name="Slika 6">
+            <a:extLst>
+              <a:ext uri="{FF2B5EF4-FFF2-40B4-BE49-F238E27FC236}">
+                <a16:creationId xmlns:a16="http://schemas.microsoft.com/office/drawing/2014/main" id="{C055951F-CD1D-4045-B512-8D5456497E08}"/>
+              </a:ext>
+            </a:extLst>
+          </p:cNvPr>
+          <p:cNvPicPr>
+            <a:picLocks noChangeAspect="1"/>
+          </p:cNvPicPr>
+          <p:nvPr/>
+        </p:nvPicPr>
+        <p:blipFill>
+          <a:blip r:embed="rId3">
+            <a:extLst>
+              <a:ext uri="{28A0092B-C50C-407E-A947-70E740481C1C}">
+                <a14:useLocalDpi xmlns:a14="http://schemas.microsoft.com/office/drawing/2010/main" val="0"/>
+              </a:ext>
+            </a:extLst>
+          </a:blip>
+          <a:stretch>
+            <a:fillRect/>
+          </a:stretch>
+        </p:blipFill>
+        <p:spPr>
+          <a:xfrm>
+            <a:off x="6548518" y="2015729"/>
+            <a:ext cx="1854465" cy="4018007"/>
+          </a:xfrm>
+          <a:prstGeom prst="rect">
+            <a:avLst/>
+          </a:prstGeom>
+        </p:spPr>
+      </p:pic>
+      <p:pic>
+        <p:nvPicPr>
+          <p:cNvPr id="9" name="Slika 8">
+            <a:extLst>
+              <a:ext uri="{FF2B5EF4-FFF2-40B4-BE49-F238E27FC236}">
+                <a16:creationId xmlns:a16="http://schemas.microsoft.com/office/drawing/2014/main" id="{6C88886F-44A7-4FFD-A9E1-C95FFFE4CC36}"/>
+              </a:ext>
+            </a:extLst>
+          </p:cNvPr>
+          <p:cNvPicPr>
+            <a:picLocks noChangeAspect="1"/>
+          </p:cNvPicPr>
+          <p:nvPr/>
+        </p:nvPicPr>
+        <p:blipFill>
+          <a:blip r:embed="rId4">
+            <a:extLst>
+              <a:ext uri="{28A0092B-C50C-407E-A947-70E740481C1C}">
+                <a14:useLocalDpi xmlns:a14="http://schemas.microsoft.com/office/drawing/2010/main" val="0"/>
+              </a:ext>
+            </a:extLst>
+          </a:blip>
+          <a:stretch>
+            <a:fillRect/>
+          </a:stretch>
+        </p:blipFill>
+        <p:spPr>
+          <a:xfrm>
+            <a:off x="8698286" y="2015730"/>
+            <a:ext cx="2042135" cy="4018006"/>
+          </a:xfrm>
+          <a:prstGeom prst="rect">
+            <a:avLst/>
+          </a:prstGeom>
+        </p:spPr>
+      </p:pic>
+    </p:spTree>
+    <p:extLst>
+      <p:ext uri="{BB962C8B-B14F-4D97-AF65-F5344CB8AC3E}">
+        <p14:creationId xmlns:p14="http://schemas.microsoft.com/office/powerpoint/2010/main" val="2687048865"/>
       </p:ext>
     </p:extLst>
   </p:cSld>
